--- a/Design.pptx
+++ b/Design.pptx
@@ -104,6 +104,22 @@
       </a:defRPr>
     </a:lvl9pPr>
   </p:defaultTextStyle>
+  <p:extLst>
+    <p:ext uri="{EFAFB233-063F-42B5-8137-9DF3F51BA10A}">
+      <p15:sldGuideLst xmlns:p15="http://schemas.microsoft.com/office/powerpoint/2012/main">
+        <p15:guide id="1" orient="horz" pos="2160">
+          <p15:clr>
+            <a:srgbClr val="A4A3A4"/>
+          </p15:clr>
+        </p15:guide>
+        <p15:guide id="2" pos="2880">
+          <p15:clr>
+            <a:srgbClr val="A4A3A4"/>
+          </p15:clr>
+        </p15:guide>
+      </p15:sldGuideLst>
+    </p:ext>
+  </p:extLst>
 </p:presentation>
 </file>
 
@@ -145,7 +161,7 @@
           <a:lstStyle/>
           <a:p>
             <a:r>
-              <a:rPr lang="en-US" smtClean="0"/>
+              <a:rPr lang="en-US"/>
               <a:t>Click to edit Master title style</a:t>
             </a:r>
             <a:endParaRPr lang="en-GB"/>
@@ -264,7 +280,7 @@
           </a:lstStyle>
           <a:p>
             <a:r>
-              <a:rPr lang="en-US" smtClean="0"/>
+              <a:rPr lang="en-US"/>
               <a:t>Click to edit Master subtitle style</a:t>
             </a:r>
             <a:endParaRPr lang="en-GB"/>
@@ -288,7 +304,7 @@
           <a:p>
             <a:fld id="{39FC0A98-8F90-4D1F-805C-6700390BDFE9}" type="datetimeFigureOut">
               <a:rPr lang="en-GB" smtClean="0"/>
-              <a:t>15.2.20</a:t>
+              <a:t>10/05/2020</a:t>
             </a:fld>
             <a:endParaRPr lang="en-GB"/>
           </a:p>
@@ -382,7 +398,7 @@
           <a:lstStyle/>
           <a:p>
             <a:r>
-              <a:rPr lang="en-US" smtClean="0"/>
+              <a:rPr lang="en-US"/>
               <a:t>Click to edit Master title style</a:t>
             </a:r>
             <a:endParaRPr lang="en-GB"/>
@@ -406,35 +422,35 @@
           <a:p>
             <a:pPr lvl="0"/>
             <a:r>
-              <a:rPr lang="en-US" smtClean="0"/>
+              <a:rPr lang="en-US"/>
               <a:t>Click to edit Master text styles</a:t>
             </a:r>
           </a:p>
           <a:p>
             <a:pPr lvl="1"/>
             <a:r>
-              <a:rPr lang="en-US" smtClean="0"/>
+              <a:rPr lang="en-US"/>
               <a:t>Second level</a:t>
             </a:r>
           </a:p>
           <a:p>
             <a:pPr lvl="2"/>
             <a:r>
-              <a:rPr lang="en-US" smtClean="0"/>
+              <a:rPr lang="en-US"/>
               <a:t>Third level</a:t>
             </a:r>
           </a:p>
           <a:p>
             <a:pPr lvl="3"/>
             <a:r>
-              <a:rPr lang="en-US" smtClean="0"/>
+              <a:rPr lang="en-US"/>
               <a:t>Fourth level</a:t>
             </a:r>
           </a:p>
           <a:p>
             <a:pPr lvl="4"/>
             <a:r>
-              <a:rPr lang="en-US" smtClean="0"/>
+              <a:rPr lang="en-US"/>
               <a:t>Fifth level</a:t>
             </a:r>
             <a:endParaRPr lang="en-GB"/>
@@ -458,7 +474,7 @@
           <a:p>
             <a:fld id="{39FC0A98-8F90-4D1F-805C-6700390BDFE9}" type="datetimeFigureOut">
               <a:rPr lang="en-GB" smtClean="0"/>
-              <a:t>15.2.20</a:t>
+              <a:t>10/05/2020</a:t>
             </a:fld>
             <a:endParaRPr lang="en-GB"/>
           </a:p>
@@ -557,7 +573,7 @@
           <a:lstStyle/>
           <a:p>
             <a:r>
-              <a:rPr lang="en-US" smtClean="0"/>
+              <a:rPr lang="en-US"/>
               <a:t>Click to edit Master title style</a:t>
             </a:r>
             <a:endParaRPr lang="en-GB"/>
@@ -586,35 +602,35 @@
           <a:p>
             <a:pPr lvl="0"/>
             <a:r>
-              <a:rPr lang="en-US" smtClean="0"/>
+              <a:rPr lang="en-US"/>
               <a:t>Click to edit Master text styles</a:t>
             </a:r>
           </a:p>
           <a:p>
             <a:pPr lvl="1"/>
             <a:r>
-              <a:rPr lang="en-US" smtClean="0"/>
+              <a:rPr lang="en-US"/>
               <a:t>Second level</a:t>
             </a:r>
           </a:p>
           <a:p>
             <a:pPr lvl="2"/>
             <a:r>
-              <a:rPr lang="en-US" smtClean="0"/>
+              <a:rPr lang="en-US"/>
               <a:t>Third level</a:t>
             </a:r>
           </a:p>
           <a:p>
             <a:pPr lvl="3"/>
             <a:r>
-              <a:rPr lang="en-US" smtClean="0"/>
+              <a:rPr lang="en-US"/>
               <a:t>Fourth level</a:t>
             </a:r>
           </a:p>
           <a:p>
             <a:pPr lvl="4"/>
             <a:r>
-              <a:rPr lang="en-US" smtClean="0"/>
+              <a:rPr lang="en-US"/>
               <a:t>Fifth level</a:t>
             </a:r>
             <a:endParaRPr lang="en-GB"/>
@@ -638,7 +654,7 @@
           <a:p>
             <a:fld id="{39FC0A98-8F90-4D1F-805C-6700390BDFE9}" type="datetimeFigureOut">
               <a:rPr lang="en-GB" smtClean="0"/>
-              <a:t>15.2.20</a:t>
+              <a:t>10/05/2020</a:t>
             </a:fld>
             <a:endParaRPr lang="en-GB"/>
           </a:p>
@@ -732,7 +748,7 @@
           <a:lstStyle/>
           <a:p>
             <a:r>
-              <a:rPr lang="en-US" smtClean="0"/>
+              <a:rPr lang="en-US"/>
               <a:t>Click to edit Master title style</a:t>
             </a:r>
             <a:endParaRPr lang="en-GB"/>
@@ -756,35 +772,35 @@
           <a:p>
             <a:pPr lvl="0"/>
             <a:r>
-              <a:rPr lang="en-US" smtClean="0"/>
+              <a:rPr lang="en-US"/>
               <a:t>Click to edit Master text styles</a:t>
             </a:r>
           </a:p>
           <a:p>
             <a:pPr lvl="1"/>
             <a:r>
-              <a:rPr lang="en-US" smtClean="0"/>
+              <a:rPr lang="en-US"/>
               <a:t>Second level</a:t>
             </a:r>
           </a:p>
           <a:p>
             <a:pPr lvl="2"/>
             <a:r>
-              <a:rPr lang="en-US" smtClean="0"/>
+              <a:rPr lang="en-US"/>
               <a:t>Third level</a:t>
             </a:r>
           </a:p>
           <a:p>
             <a:pPr lvl="3"/>
             <a:r>
-              <a:rPr lang="en-US" smtClean="0"/>
+              <a:rPr lang="en-US"/>
               <a:t>Fourth level</a:t>
             </a:r>
           </a:p>
           <a:p>
             <a:pPr lvl="4"/>
             <a:r>
-              <a:rPr lang="en-US" smtClean="0"/>
+              <a:rPr lang="en-US"/>
               <a:t>Fifth level</a:t>
             </a:r>
             <a:endParaRPr lang="en-GB"/>
@@ -808,7 +824,7 @@
           <a:p>
             <a:fld id="{39FC0A98-8F90-4D1F-805C-6700390BDFE9}" type="datetimeFigureOut">
               <a:rPr lang="en-GB" smtClean="0"/>
-              <a:t>15.2.20</a:t>
+              <a:t>10/05/2020</a:t>
             </a:fld>
             <a:endParaRPr lang="en-GB"/>
           </a:p>
@@ -911,7 +927,7 @@
           </a:lstStyle>
           <a:p>
             <a:r>
-              <a:rPr lang="en-US" smtClean="0"/>
+              <a:rPr lang="en-US"/>
               <a:t>Click to edit Master title style</a:t>
             </a:r>
             <a:endParaRPr lang="en-GB"/>
@@ -1031,7 +1047,7 @@
           <a:p>
             <a:pPr lvl="0"/>
             <a:r>
-              <a:rPr lang="en-US" smtClean="0"/>
+              <a:rPr lang="en-US"/>
               <a:t>Click to edit Master text styles</a:t>
             </a:r>
           </a:p>
@@ -1054,7 +1070,7 @@
           <a:p>
             <a:fld id="{39FC0A98-8F90-4D1F-805C-6700390BDFE9}" type="datetimeFigureOut">
               <a:rPr lang="en-GB" smtClean="0"/>
-              <a:t>15.2.20</a:t>
+              <a:t>10/05/2020</a:t>
             </a:fld>
             <a:endParaRPr lang="en-GB"/>
           </a:p>
@@ -1148,7 +1164,7 @@
           <a:lstStyle/>
           <a:p>
             <a:r>
-              <a:rPr lang="en-US" smtClean="0"/>
+              <a:rPr lang="en-US"/>
               <a:t>Click to edit Master title style</a:t>
             </a:r>
             <a:endParaRPr lang="en-GB"/>
@@ -1205,35 +1221,35 @@
           <a:p>
             <a:pPr lvl="0"/>
             <a:r>
-              <a:rPr lang="en-US" smtClean="0"/>
+              <a:rPr lang="en-US"/>
               <a:t>Click to edit Master text styles</a:t>
             </a:r>
           </a:p>
           <a:p>
             <a:pPr lvl="1"/>
             <a:r>
-              <a:rPr lang="en-US" smtClean="0"/>
+              <a:rPr lang="en-US"/>
               <a:t>Second level</a:t>
             </a:r>
           </a:p>
           <a:p>
             <a:pPr lvl="2"/>
             <a:r>
-              <a:rPr lang="en-US" smtClean="0"/>
+              <a:rPr lang="en-US"/>
               <a:t>Third level</a:t>
             </a:r>
           </a:p>
           <a:p>
             <a:pPr lvl="3"/>
             <a:r>
-              <a:rPr lang="en-US" smtClean="0"/>
+              <a:rPr lang="en-US"/>
               <a:t>Fourth level</a:t>
             </a:r>
           </a:p>
           <a:p>
             <a:pPr lvl="4"/>
             <a:r>
-              <a:rPr lang="en-US" smtClean="0"/>
+              <a:rPr lang="en-US"/>
               <a:t>Fifth level</a:t>
             </a:r>
             <a:endParaRPr lang="en-GB"/>
@@ -1290,35 +1306,35 @@
           <a:p>
             <a:pPr lvl="0"/>
             <a:r>
-              <a:rPr lang="en-US" smtClean="0"/>
+              <a:rPr lang="en-US"/>
               <a:t>Click to edit Master text styles</a:t>
             </a:r>
           </a:p>
           <a:p>
             <a:pPr lvl="1"/>
             <a:r>
-              <a:rPr lang="en-US" smtClean="0"/>
+              <a:rPr lang="en-US"/>
               <a:t>Second level</a:t>
             </a:r>
           </a:p>
           <a:p>
             <a:pPr lvl="2"/>
             <a:r>
-              <a:rPr lang="en-US" smtClean="0"/>
+              <a:rPr lang="en-US"/>
               <a:t>Third level</a:t>
             </a:r>
           </a:p>
           <a:p>
             <a:pPr lvl="3"/>
             <a:r>
-              <a:rPr lang="en-US" smtClean="0"/>
+              <a:rPr lang="en-US"/>
               <a:t>Fourth level</a:t>
             </a:r>
           </a:p>
           <a:p>
             <a:pPr lvl="4"/>
             <a:r>
-              <a:rPr lang="en-US" smtClean="0"/>
+              <a:rPr lang="en-US"/>
               <a:t>Fifth level</a:t>
             </a:r>
             <a:endParaRPr lang="en-GB"/>
@@ -1342,7 +1358,7 @@
           <a:p>
             <a:fld id="{39FC0A98-8F90-4D1F-805C-6700390BDFE9}" type="datetimeFigureOut">
               <a:rPr lang="en-GB" smtClean="0"/>
-              <a:t>15.2.20</a:t>
+              <a:t>10/05/2020</a:t>
             </a:fld>
             <a:endParaRPr lang="en-GB"/>
           </a:p>
@@ -1440,7 +1456,7 @@
           </a:lstStyle>
           <a:p>
             <a:r>
-              <a:rPr lang="en-US" smtClean="0"/>
+              <a:rPr lang="en-US"/>
               <a:t>Click to edit Master title style</a:t>
             </a:r>
             <a:endParaRPr lang="en-GB"/>
@@ -1506,7 +1522,7 @@
           <a:p>
             <a:pPr lvl="0"/>
             <a:r>
-              <a:rPr lang="en-US" smtClean="0"/>
+              <a:rPr lang="en-US"/>
               <a:t>Click to edit Master text styles</a:t>
             </a:r>
           </a:p>
@@ -1562,35 +1578,35 @@
           <a:p>
             <a:pPr lvl="0"/>
             <a:r>
-              <a:rPr lang="en-US" smtClean="0"/>
+              <a:rPr lang="en-US"/>
               <a:t>Click to edit Master text styles</a:t>
             </a:r>
           </a:p>
           <a:p>
             <a:pPr lvl="1"/>
             <a:r>
-              <a:rPr lang="en-US" smtClean="0"/>
+              <a:rPr lang="en-US"/>
               <a:t>Second level</a:t>
             </a:r>
           </a:p>
           <a:p>
             <a:pPr lvl="2"/>
             <a:r>
-              <a:rPr lang="en-US" smtClean="0"/>
+              <a:rPr lang="en-US"/>
               <a:t>Third level</a:t>
             </a:r>
           </a:p>
           <a:p>
             <a:pPr lvl="3"/>
             <a:r>
-              <a:rPr lang="en-US" smtClean="0"/>
+              <a:rPr lang="en-US"/>
               <a:t>Fourth level</a:t>
             </a:r>
           </a:p>
           <a:p>
             <a:pPr lvl="4"/>
             <a:r>
-              <a:rPr lang="en-US" smtClean="0"/>
+              <a:rPr lang="en-US"/>
               <a:t>Fifth level</a:t>
             </a:r>
             <a:endParaRPr lang="en-GB"/>
@@ -1656,7 +1672,7 @@
           <a:p>
             <a:pPr lvl="0"/>
             <a:r>
-              <a:rPr lang="en-US" smtClean="0"/>
+              <a:rPr lang="en-US"/>
               <a:t>Click to edit Master text styles</a:t>
             </a:r>
           </a:p>
@@ -1712,35 +1728,35 @@
           <a:p>
             <a:pPr lvl="0"/>
             <a:r>
-              <a:rPr lang="en-US" smtClean="0"/>
+              <a:rPr lang="en-US"/>
               <a:t>Click to edit Master text styles</a:t>
             </a:r>
           </a:p>
           <a:p>
             <a:pPr lvl="1"/>
             <a:r>
-              <a:rPr lang="en-US" smtClean="0"/>
+              <a:rPr lang="en-US"/>
               <a:t>Second level</a:t>
             </a:r>
           </a:p>
           <a:p>
             <a:pPr lvl="2"/>
             <a:r>
-              <a:rPr lang="en-US" smtClean="0"/>
+              <a:rPr lang="en-US"/>
               <a:t>Third level</a:t>
             </a:r>
           </a:p>
           <a:p>
             <a:pPr lvl="3"/>
             <a:r>
-              <a:rPr lang="en-US" smtClean="0"/>
+              <a:rPr lang="en-US"/>
               <a:t>Fourth level</a:t>
             </a:r>
           </a:p>
           <a:p>
             <a:pPr lvl="4"/>
             <a:r>
-              <a:rPr lang="en-US" smtClean="0"/>
+              <a:rPr lang="en-US"/>
               <a:t>Fifth level</a:t>
             </a:r>
             <a:endParaRPr lang="en-GB"/>
@@ -1764,7 +1780,7 @@
           <a:p>
             <a:fld id="{39FC0A98-8F90-4D1F-805C-6700390BDFE9}" type="datetimeFigureOut">
               <a:rPr lang="en-GB" smtClean="0"/>
-              <a:t>15.2.20</a:t>
+              <a:t>10/05/2020</a:t>
             </a:fld>
             <a:endParaRPr lang="en-GB"/>
           </a:p>
@@ -1858,7 +1874,7 @@
           <a:lstStyle/>
           <a:p>
             <a:r>
-              <a:rPr lang="en-US" smtClean="0"/>
+              <a:rPr lang="en-US"/>
               <a:t>Click to edit Master title style</a:t>
             </a:r>
             <a:endParaRPr lang="en-GB"/>
@@ -1882,7 +1898,7 @@
           <a:p>
             <a:fld id="{39FC0A98-8F90-4D1F-805C-6700390BDFE9}" type="datetimeFigureOut">
               <a:rPr lang="en-GB" smtClean="0"/>
-              <a:t>15.2.20</a:t>
+              <a:t>10/05/2020</a:t>
             </a:fld>
             <a:endParaRPr lang="en-GB"/>
           </a:p>
@@ -1977,7 +1993,7 @@
           <a:p>
             <a:fld id="{39FC0A98-8F90-4D1F-805C-6700390BDFE9}" type="datetimeFigureOut">
               <a:rPr lang="en-GB" smtClean="0"/>
-              <a:t>15.2.20</a:t>
+              <a:t>10/05/2020</a:t>
             </a:fld>
             <a:endParaRPr lang="en-GB"/>
           </a:p>
@@ -2080,7 +2096,7 @@
           </a:lstStyle>
           <a:p>
             <a:r>
-              <a:rPr lang="en-US" smtClean="0"/>
+              <a:rPr lang="en-US"/>
               <a:t>Click to edit Master title style</a:t>
             </a:r>
             <a:endParaRPr lang="en-GB"/>
@@ -2137,35 +2153,35 @@
           <a:p>
             <a:pPr lvl="0"/>
             <a:r>
-              <a:rPr lang="en-US" smtClean="0"/>
+              <a:rPr lang="en-US"/>
               <a:t>Click to edit Master text styles</a:t>
             </a:r>
           </a:p>
           <a:p>
             <a:pPr lvl="1"/>
             <a:r>
-              <a:rPr lang="en-US" smtClean="0"/>
+              <a:rPr lang="en-US"/>
               <a:t>Second level</a:t>
             </a:r>
           </a:p>
           <a:p>
             <a:pPr lvl="2"/>
             <a:r>
-              <a:rPr lang="en-US" smtClean="0"/>
+              <a:rPr lang="en-US"/>
               <a:t>Third level</a:t>
             </a:r>
           </a:p>
           <a:p>
             <a:pPr lvl="3"/>
             <a:r>
-              <a:rPr lang="en-US" smtClean="0"/>
+              <a:rPr lang="en-US"/>
               <a:t>Fourth level</a:t>
             </a:r>
           </a:p>
           <a:p>
             <a:pPr lvl="4"/>
             <a:r>
-              <a:rPr lang="en-US" smtClean="0"/>
+              <a:rPr lang="en-US"/>
               <a:t>Fifth level</a:t>
             </a:r>
             <a:endParaRPr lang="en-GB"/>
@@ -2231,7 +2247,7 @@
           <a:p>
             <a:pPr lvl="0"/>
             <a:r>
-              <a:rPr lang="en-US" smtClean="0"/>
+              <a:rPr lang="en-US"/>
               <a:t>Click to edit Master text styles</a:t>
             </a:r>
           </a:p>
@@ -2254,7 +2270,7 @@
           <a:p>
             <a:fld id="{39FC0A98-8F90-4D1F-805C-6700390BDFE9}" type="datetimeFigureOut">
               <a:rPr lang="en-GB" smtClean="0"/>
-              <a:t>15.2.20</a:t>
+              <a:t>10/05/2020</a:t>
             </a:fld>
             <a:endParaRPr lang="en-GB"/>
           </a:p>
@@ -2357,7 +2373,7 @@
           </a:lstStyle>
           <a:p>
             <a:r>
-              <a:rPr lang="en-US" smtClean="0"/>
+              <a:rPr lang="en-US"/>
               <a:t>Click to edit Master title style</a:t>
             </a:r>
             <a:endParaRPr lang="en-GB"/>
@@ -2484,7 +2500,7 @@
           <a:p>
             <a:pPr lvl="0"/>
             <a:r>
-              <a:rPr lang="en-US" smtClean="0"/>
+              <a:rPr lang="en-US"/>
               <a:t>Click to edit Master text styles</a:t>
             </a:r>
           </a:p>
@@ -2507,7 +2523,7 @@
           <a:p>
             <a:fld id="{39FC0A98-8F90-4D1F-805C-6700390BDFE9}" type="datetimeFigureOut">
               <a:rPr lang="en-GB" smtClean="0"/>
-              <a:t>15.2.20</a:t>
+              <a:t>10/05/2020</a:t>
             </a:fld>
             <a:endParaRPr lang="en-GB"/>
           </a:p>
@@ -2616,7 +2632,7 @@
           <a:lstStyle/>
           <a:p>
             <a:r>
-              <a:rPr lang="en-US" smtClean="0"/>
+              <a:rPr lang="en-US"/>
               <a:t>Click to edit Master title style</a:t>
             </a:r>
             <a:endParaRPr lang="en-GB"/>
@@ -2650,35 +2666,35 @@
           <a:p>
             <a:pPr lvl="0"/>
             <a:r>
-              <a:rPr lang="en-US" smtClean="0"/>
+              <a:rPr lang="en-US"/>
               <a:t>Click to edit Master text styles</a:t>
             </a:r>
           </a:p>
           <a:p>
             <a:pPr lvl="1"/>
             <a:r>
-              <a:rPr lang="en-US" smtClean="0"/>
+              <a:rPr lang="en-US"/>
               <a:t>Second level</a:t>
             </a:r>
           </a:p>
           <a:p>
             <a:pPr lvl="2"/>
             <a:r>
-              <a:rPr lang="en-US" smtClean="0"/>
+              <a:rPr lang="en-US"/>
               <a:t>Third level</a:t>
             </a:r>
           </a:p>
           <a:p>
             <a:pPr lvl="3"/>
             <a:r>
-              <a:rPr lang="en-US" smtClean="0"/>
+              <a:rPr lang="en-US"/>
               <a:t>Fourth level</a:t>
             </a:r>
           </a:p>
           <a:p>
             <a:pPr lvl="4"/>
             <a:r>
-              <a:rPr lang="en-US" smtClean="0"/>
+              <a:rPr lang="en-US"/>
               <a:t>Fifth level</a:t>
             </a:r>
             <a:endParaRPr lang="en-GB"/>
@@ -2720,7 +2736,7 @@
           <a:p>
             <a:fld id="{39FC0A98-8F90-4D1F-805C-6700390BDFE9}" type="datetimeFigureOut">
               <a:rPr lang="en-GB" smtClean="0"/>
-              <a:t>15.2.20</a:t>
+              <a:t>10/05/2020</a:t>
             </a:fld>
             <a:endParaRPr lang="en-GB"/>
           </a:p>
@@ -3104,7 +3120,7 @@
         <p:spPr>
           <a:xfrm>
             <a:off x="467545" y="908720"/>
-            <a:ext cx="6552727" cy="2952328"/>
+            <a:ext cx="8424935" cy="5472608"/>
           </a:xfrm>
           <a:prstGeom prst="rect">
             <a:avLst/>
@@ -3140,583 +3156,594 @@
           </a:p>
         </p:txBody>
       </p:sp>
-      <p:pic>
-        <p:nvPicPr>
-          <p:cNvPr id="1026" name="Picture 2" descr="C:\Users\peter\Source\Repos\WpfWindowsLib\SmallSample.png"/>
-          <p:cNvPicPr>
-            <a:picLocks noChangeAspect="1" noChangeArrowheads="1"/>
-          </p:cNvPicPr>
-          <p:nvPr/>
-        </p:nvPicPr>
-        <p:blipFill>
-          <a:blip r:embed="rId2">
+      <p:grpSp>
+        <p:nvGrpSpPr>
+          <p:cNvPr id="2" name="Group 1">
             <a:extLst>
-              <a:ext uri="{28A0092B-C50C-407E-A947-70E740481C1C}">
-                <a14:useLocalDpi xmlns:a14="http://schemas.microsoft.com/office/drawing/2010/main" val="0"/>
+              <a:ext uri="{FF2B5EF4-FFF2-40B4-BE49-F238E27FC236}">
+                <a16:creationId xmlns:a16="http://schemas.microsoft.com/office/drawing/2014/main" id="{F019358A-F815-4BEF-996F-C881AE7958C8}"/>
               </a:ext>
             </a:extLst>
-          </a:blip>
-          <a:srcRect/>
-          <a:stretch>
-            <a:fillRect/>
-          </a:stretch>
-        </p:blipFill>
-        <p:spPr bwMode="auto">
+          </p:cNvPr>
+          <p:cNvGrpSpPr/>
+          <p:nvPr/>
+        </p:nvGrpSpPr>
+        <p:grpSpPr>
           <a:xfrm>
-            <a:off x="535113" y="1201079"/>
-            <a:ext cx="1828800" cy="914400"/>
+            <a:off x="535113" y="980728"/>
+            <a:ext cx="8141342" cy="4968552"/>
+            <a:chOff x="535113" y="980728"/>
+            <a:chExt cx="6402069" cy="2736304"/>
           </a:xfrm>
-          <a:prstGeom prst="rect">
-            <a:avLst/>
-          </a:prstGeom>
-          <a:noFill/>
-          <a:extLst>
-            <a:ext uri="{909E8E84-426E-40DD-AFC4-6F175D3DCCD1}">
-              <a14:hiddenFill xmlns:a14="http://schemas.microsoft.com/office/drawing/2010/main">
-                <a:solidFill>
-                  <a:srgbClr val="FFFFFF"/>
-                </a:solidFill>
-              </a14:hiddenFill>
-            </a:ext>
-          </a:extLst>
-        </p:spPr>
-      </p:pic>
-      <p:sp>
-        <p:nvSpPr>
-          <p:cNvPr id="4" name="Rectangle 3"/>
-          <p:cNvSpPr/>
-          <p:nvPr/>
-        </p:nvSpPr>
-        <p:spPr>
-          <a:xfrm>
-            <a:off x="3245973" y="1052736"/>
-            <a:ext cx="3691209" cy="2664296"/>
-          </a:xfrm>
-          <a:prstGeom prst="rect">
-            <a:avLst/>
-          </a:prstGeom>
-          <a:solidFill>
-            <a:schemeClr val="bg1"/>
-          </a:solidFill>
-        </p:spPr>
-        <p:style>
-          <a:lnRef idx="2">
-            <a:schemeClr val="accent1">
-              <a:shade val="50000"/>
-            </a:schemeClr>
-          </a:lnRef>
-          <a:fillRef idx="1">
-            <a:schemeClr val="accent1"/>
-          </a:fillRef>
-          <a:effectRef idx="0">
-            <a:schemeClr val="accent1"/>
-          </a:effectRef>
-          <a:fontRef idx="minor">
-            <a:schemeClr val="lt1"/>
-          </a:fontRef>
-        </p:style>
-        <p:txBody>
-          <a:bodyPr rtlCol="0" anchor="ctr"/>
-          <a:lstStyle/>
-          <a:p>
-            <a:pPr algn="ctr"/>
-            <a:endParaRPr lang="en-GB" dirty="0"/>
-          </a:p>
-        </p:txBody>
-      </p:sp>
-      <p:sp>
-        <p:nvSpPr>
-          <p:cNvPr id="5" name="TextBox 4"/>
-          <p:cNvSpPr txBox="1"/>
-          <p:nvPr/>
-        </p:nvSpPr>
-        <p:spPr>
-          <a:xfrm>
-            <a:off x="2312131" y="1124744"/>
-            <a:ext cx="963725" cy="261610"/>
-          </a:xfrm>
-          <a:prstGeom prst="rect">
-            <a:avLst/>
-          </a:prstGeom>
-          <a:noFill/>
-        </p:spPr>
-        <p:txBody>
-          <a:bodyPr wrap="none" rtlCol="0">
-            <a:spAutoFit/>
-          </a:bodyPr>
-          <a:lstStyle/>
-          <a:p>
-            <a:r>
-              <a:rPr lang="en-GB" sz="1100" dirty="0" smtClean="0"/>
-              <a:t>1) </a:t>
-            </a:r>
-            <a:r>
-              <a:rPr lang="en-GB" sz="1100" dirty="0" err="1" smtClean="0"/>
-              <a:t>Initilisation</a:t>
-            </a:r>
-            <a:endParaRPr lang="en-GB" sz="1100" dirty="0"/>
-          </a:p>
-        </p:txBody>
-      </p:sp>
-      <p:cxnSp>
-        <p:nvCxnSpPr>
-          <p:cNvPr id="7" name="Straight Arrow Connector 6"/>
-          <p:cNvCxnSpPr/>
-          <p:nvPr/>
-        </p:nvCxnSpPr>
-        <p:spPr>
-          <a:xfrm>
-            <a:off x="2388331" y="1350060"/>
-            <a:ext cx="1133432" cy="0"/>
-          </a:xfrm>
-          <a:prstGeom prst="straightConnector1">
-            <a:avLst/>
-          </a:prstGeom>
-          <a:ln>
-            <a:tailEnd type="arrow"/>
-          </a:ln>
-        </p:spPr>
-        <p:style>
-          <a:lnRef idx="1">
-            <a:schemeClr val="accent1"/>
-          </a:lnRef>
-          <a:fillRef idx="0">
-            <a:schemeClr val="accent1"/>
-          </a:fillRef>
-          <a:effectRef idx="0">
-            <a:schemeClr val="accent1"/>
-          </a:effectRef>
-          <a:fontRef idx="minor">
-            <a:schemeClr val="tx1"/>
-          </a:fontRef>
-        </p:style>
-      </p:cxnSp>
-      <p:sp>
-        <p:nvSpPr>
-          <p:cNvPr id="8" name="TextBox 7"/>
-          <p:cNvSpPr txBox="1"/>
-          <p:nvPr/>
-        </p:nvSpPr>
-        <p:spPr>
-          <a:xfrm>
-            <a:off x="3512186" y="1268760"/>
-            <a:ext cx="3103735" cy="430887"/>
-          </a:xfrm>
-          <a:prstGeom prst="rect">
-            <a:avLst/>
-          </a:prstGeom>
-          <a:noFill/>
-        </p:spPr>
-        <p:txBody>
-          <a:bodyPr wrap="none" rtlCol="0">
-            <a:spAutoFit/>
-          </a:bodyPr>
-          <a:lstStyle/>
-          <a:p>
-            <a:r>
-              <a:rPr lang="en-GB" sz="1100" dirty="0" smtClean="0"/>
-              <a:t>Control searches </a:t>
-            </a:r>
-            <a:r>
-              <a:rPr lang="en-GB" sz="1100" dirty="0" err="1" smtClean="0"/>
-              <a:t>CheckedWindow</a:t>
-            </a:r>
-            <a:r>
-              <a:rPr lang="en-GB" sz="1100" dirty="0" smtClean="0"/>
-              <a:t>, registers.</a:t>
-            </a:r>
-          </a:p>
-          <a:p>
-            <a:r>
-              <a:rPr lang="en-GB" sz="1100" dirty="0" err="1" smtClean="0"/>
-              <a:t>CheckedWindow</a:t>
-            </a:r>
-            <a:r>
-              <a:rPr lang="en-GB" sz="1100" dirty="0" smtClean="0"/>
-              <a:t> then registers to control’s events.</a:t>
-            </a:r>
-            <a:endParaRPr lang="en-GB" sz="1100" dirty="0"/>
-          </a:p>
-        </p:txBody>
-      </p:sp>
-      <p:cxnSp>
-        <p:nvCxnSpPr>
-          <p:cNvPr id="12" name="Straight Arrow Connector 11"/>
-          <p:cNvCxnSpPr/>
-          <p:nvPr/>
-        </p:nvCxnSpPr>
-        <p:spPr>
-          <a:xfrm>
-            <a:off x="2363913" y="1762771"/>
-            <a:ext cx="1127967" cy="176354"/>
-          </a:xfrm>
-          <a:prstGeom prst="straightConnector1">
-            <a:avLst/>
-          </a:prstGeom>
-          <a:ln>
-            <a:tailEnd type="arrow"/>
-          </a:ln>
-        </p:spPr>
-        <p:style>
-          <a:lnRef idx="1">
-            <a:schemeClr val="accent1"/>
-          </a:lnRef>
-          <a:fillRef idx="0">
-            <a:schemeClr val="accent1"/>
-          </a:fillRef>
-          <a:effectRef idx="0">
-            <a:schemeClr val="accent1"/>
-          </a:effectRef>
-          <a:fontRef idx="minor">
-            <a:schemeClr val="tx1"/>
-          </a:fontRef>
-        </p:style>
-      </p:cxnSp>
-      <p:sp>
-        <p:nvSpPr>
-          <p:cNvPr id="15" name="TextBox 14"/>
-          <p:cNvSpPr txBox="1"/>
-          <p:nvPr/>
-        </p:nvSpPr>
-        <p:spPr>
-          <a:xfrm>
-            <a:off x="2267744" y="1556792"/>
-            <a:ext cx="936475" cy="261610"/>
-          </a:xfrm>
-          <a:prstGeom prst="rect">
-            <a:avLst/>
-          </a:prstGeom>
-          <a:noFill/>
-        </p:spPr>
-        <p:txBody>
-          <a:bodyPr wrap="none" rtlCol="0">
-            <a:spAutoFit/>
-          </a:bodyPr>
-          <a:lstStyle/>
-          <a:p>
-            <a:r>
-              <a:rPr lang="en-GB" sz="1100" dirty="0" smtClean="0"/>
-              <a:t>2) Data entry</a:t>
-            </a:r>
-            <a:endParaRPr lang="en-GB" sz="1100" dirty="0"/>
-          </a:p>
-        </p:txBody>
-      </p:sp>
-      <p:sp>
-        <p:nvSpPr>
-          <p:cNvPr id="16" name="TextBox 15"/>
-          <p:cNvSpPr txBox="1"/>
-          <p:nvPr/>
-        </p:nvSpPr>
-        <p:spPr>
-          <a:xfrm>
-            <a:off x="3419872" y="1772816"/>
-            <a:ext cx="3517310" cy="938719"/>
-          </a:xfrm>
-          <a:prstGeom prst="rect">
-            <a:avLst/>
-          </a:prstGeom>
-          <a:noFill/>
-        </p:spPr>
-        <p:txBody>
-          <a:bodyPr wrap="none" rtlCol="0">
-            <a:spAutoFit/>
-          </a:bodyPr>
-          <a:lstStyle/>
-          <a:p>
-            <a:r>
-              <a:rPr lang="en-GB" sz="1100" dirty="0" smtClean="0"/>
-              <a:t>Control raises event</a:t>
-            </a:r>
-          </a:p>
-          <a:p>
-            <a:r>
-              <a:rPr lang="en-GB" sz="1100" dirty="0" err="1" smtClean="0"/>
-              <a:t>CheckedWindow</a:t>
-            </a:r>
-            <a:r>
-              <a:rPr lang="en-GB" sz="1100" dirty="0" smtClean="0"/>
-              <a:t> queries all other controls to calculate</a:t>
-            </a:r>
-          </a:p>
-          <a:p>
-            <a:r>
-              <a:rPr lang="en-GB" sz="1100" dirty="0" err="1" smtClean="0"/>
-              <a:t>HasICheckChanged</a:t>
-            </a:r>
-            <a:r>
-              <a:rPr lang="en-GB" sz="1100" dirty="0" smtClean="0"/>
-              <a:t> and  </a:t>
-            </a:r>
-            <a:r>
-              <a:rPr lang="en-GB" sz="1100" dirty="0" err="1" smtClean="0"/>
-              <a:t>IsAvailable</a:t>
-            </a:r>
-            <a:r>
-              <a:rPr lang="en-GB" sz="1100" dirty="0" smtClean="0"/>
-              <a:t>. If their values change,</a:t>
-            </a:r>
-          </a:p>
-          <a:p>
-            <a:r>
-              <a:rPr lang="en-GB" sz="1100" dirty="0" err="1" smtClean="0"/>
-              <a:t>CheckedWindow</a:t>
-            </a:r>
-            <a:r>
-              <a:rPr lang="en-GB" sz="1100" dirty="0" smtClean="0"/>
-              <a:t> calls </a:t>
-            </a:r>
-            <a:r>
-              <a:rPr lang="en-GB" sz="1100" dirty="0" err="1" smtClean="0"/>
-              <a:t>OnICheckChanged</a:t>
-            </a:r>
-            <a:r>
-              <a:rPr lang="en-GB" sz="1100" dirty="0" smtClean="0"/>
-              <a:t> and </a:t>
-            </a:r>
-          </a:p>
-          <a:p>
-            <a:r>
-              <a:rPr lang="en-GB" sz="1100" dirty="0" err="1" smtClean="0"/>
-              <a:t>OnIsAvailableChanged</a:t>
-            </a:r>
-            <a:r>
-              <a:rPr lang="en-GB" sz="1100" dirty="0" smtClean="0"/>
-              <a:t>.</a:t>
-            </a:r>
-            <a:endParaRPr lang="en-GB" sz="1100" dirty="0"/>
-          </a:p>
-        </p:txBody>
-      </p:sp>
-      <p:cxnSp>
-        <p:nvCxnSpPr>
-          <p:cNvPr id="17" name="Straight Arrow Connector 16"/>
-          <p:cNvCxnSpPr/>
-          <p:nvPr/>
-        </p:nvCxnSpPr>
-        <p:spPr>
-          <a:xfrm flipH="1" flipV="1">
-            <a:off x="2195737" y="1990003"/>
-            <a:ext cx="1296143" cy="574901"/>
-          </a:xfrm>
-          <a:prstGeom prst="straightConnector1">
-            <a:avLst/>
-          </a:prstGeom>
-          <a:ln>
-            <a:tailEnd type="arrow"/>
-          </a:ln>
-        </p:spPr>
-        <p:style>
-          <a:lnRef idx="1">
-            <a:schemeClr val="accent1"/>
-          </a:lnRef>
-          <a:fillRef idx="0">
-            <a:schemeClr val="accent1"/>
-          </a:fillRef>
-          <a:effectRef idx="0">
-            <a:schemeClr val="accent1"/>
-          </a:effectRef>
-          <a:fontRef idx="minor">
-            <a:schemeClr val="tx1"/>
-          </a:fontRef>
-        </p:style>
-      </p:cxnSp>
-      <p:sp>
-        <p:nvSpPr>
-          <p:cNvPr id="19" name="TextBox 18"/>
-          <p:cNvSpPr txBox="1"/>
-          <p:nvPr/>
-        </p:nvSpPr>
-        <p:spPr>
-          <a:xfrm>
-            <a:off x="2207641" y="2259294"/>
-            <a:ext cx="873957" cy="430887"/>
-          </a:xfrm>
-          <a:prstGeom prst="rect">
-            <a:avLst/>
-          </a:prstGeom>
-          <a:noFill/>
-        </p:spPr>
-        <p:txBody>
-          <a:bodyPr wrap="none" rtlCol="0">
-            <a:spAutoFit/>
-          </a:bodyPr>
-          <a:lstStyle/>
-          <a:p>
-            <a:r>
-              <a:rPr lang="en-GB" sz="1100" dirty="0" smtClean="0"/>
-              <a:t>2a) update </a:t>
-            </a:r>
-          </a:p>
-          <a:p>
-            <a:r>
-              <a:rPr lang="en-GB" sz="1100" dirty="0" smtClean="0"/>
-              <a:t>Save Button</a:t>
-            </a:r>
-            <a:endParaRPr lang="en-GB" sz="1100" dirty="0"/>
-          </a:p>
-        </p:txBody>
-      </p:sp>
-      <p:cxnSp>
-        <p:nvCxnSpPr>
-          <p:cNvPr id="20" name="Elbow Connector 19"/>
-          <p:cNvCxnSpPr/>
-          <p:nvPr/>
-        </p:nvCxnSpPr>
-        <p:spPr>
-          <a:xfrm rot="16200000" flipH="1">
-            <a:off x="2052642" y="1557710"/>
-            <a:ext cx="1464623" cy="1269838"/>
-          </a:xfrm>
-          <a:prstGeom prst="bentConnector3">
-            <a:avLst>
-              <a:gd name="adj1" fmla="val 100045"/>
-            </a:avLst>
-          </a:prstGeom>
-          <a:ln>
-            <a:tailEnd type="arrow"/>
-          </a:ln>
-        </p:spPr>
-        <p:style>
-          <a:lnRef idx="1">
-            <a:schemeClr val="accent1"/>
-          </a:lnRef>
-          <a:fillRef idx="0">
-            <a:schemeClr val="accent1"/>
-          </a:fillRef>
-          <a:effectRef idx="0">
-            <a:schemeClr val="accent1"/>
-          </a:effectRef>
-          <a:fontRef idx="minor">
-            <a:schemeClr val="tx1"/>
-          </a:fontRef>
-        </p:style>
-      </p:cxnSp>
-      <p:sp>
-        <p:nvSpPr>
-          <p:cNvPr id="25" name="TextBox 24"/>
-          <p:cNvSpPr txBox="1"/>
-          <p:nvPr/>
-        </p:nvSpPr>
-        <p:spPr>
-          <a:xfrm>
-            <a:off x="2051720" y="2926105"/>
-            <a:ext cx="1124026" cy="430887"/>
-          </a:xfrm>
-          <a:prstGeom prst="rect">
-            <a:avLst/>
-          </a:prstGeom>
-          <a:noFill/>
-        </p:spPr>
-        <p:txBody>
-          <a:bodyPr wrap="none" rtlCol="0">
-            <a:spAutoFit/>
-          </a:bodyPr>
-          <a:lstStyle/>
-          <a:p>
-            <a:r>
-              <a:rPr lang="en-GB" sz="1100" dirty="0" smtClean="0"/>
-              <a:t>3) User wants to</a:t>
-            </a:r>
-          </a:p>
-          <a:p>
-            <a:r>
-              <a:rPr lang="en-GB" sz="1100" dirty="0" smtClean="0"/>
-              <a:t>Close window</a:t>
-            </a:r>
-            <a:endParaRPr lang="en-GB" sz="1100" dirty="0"/>
-          </a:p>
-        </p:txBody>
-      </p:sp>
-      <p:sp>
-        <p:nvSpPr>
-          <p:cNvPr id="27" name="TextBox 26"/>
-          <p:cNvSpPr txBox="1"/>
-          <p:nvPr/>
-        </p:nvSpPr>
-        <p:spPr>
-          <a:xfrm>
-            <a:off x="3419872" y="2780928"/>
-            <a:ext cx="3456384" cy="769441"/>
-          </a:xfrm>
-          <a:prstGeom prst="rect">
-            <a:avLst/>
-          </a:prstGeom>
-          <a:noFill/>
-        </p:spPr>
-        <p:txBody>
-          <a:bodyPr wrap="square" rtlCol="0">
-            <a:spAutoFit/>
-          </a:bodyPr>
-          <a:lstStyle/>
-          <a:p>
-            <a:r>
-              <a:rPr lang="en-GB" sz="1100" dirty="0" err="1" smtClean="0"/>
-              <a:t>CheckedWindow</a:t>
-            </a:r>
-            <a:r>
-              <a:rPr lang="en-GB" sz="1100" dirty="0" smtClean="0"/>
-              <a:t> listen to  the </a:t>
-            </a:r>
-            <a:r>
-              <a:rPr lang="en-GB" sz="1100" dirty="0" err="1" smtClean="0"/>
-              <a:t>Window.Closing</a:t>
-            </a:r>
-            <a:r>
-              <a:rPr lang="en-GB" sz="1100" dirty="0" smtClean="0"/>
-              <a:t> event</a:t>
-            </a:r>
-          </a:p>
-          <a:p>
-            <a:r>
-              <a:rPr lang="en-GB" sz="1100" dirty="0" smtClean="0"/>
-              <a:t>If </a:t>
-            </a:r>
-            <a:r>
-              <a:rPr lang="en-GB" sz="1100" dirty="0" err="1" smtClean="0"/>
-              <a:t>HasICheckChanged</a:t>
-            </a:r>
-            <a:r>
-              <a:rPr lang="en-GB" sz="1100" dirty="0" smtClean="0"/>
-              <a:t>  is true, it  marks </a:t>
-            </a:r>
-            <a:r>
-              <a:rPr lang="en-GB" sz="1100" dirty="0" smtClean="0"/>
-              <a:t>all the controls with changed data and asks the user if he really wants to close the window and lose the entered data.</a:t>
-            </a:r>
-            <a:endParaRPr lang="en-GB" sz="1100" dirty="0"/>
-          </a:p>
-        </p:txBody>
-      </p:sp>
-      <p:sp>
-        <p:nvSpPr>
-          <p:cNvPr id="42" name="Rectangle 41"/>
-          <p:cNvSpPr/>
-          <p:nvPr/>
-        </p:nvSpPr>
-        <p:spPr>
-          <a:xfrm>
-            <a:off x="3521763" y="980728"/>
-            <a:ext cx="1764907" cy="369332"/>
-          </a:xfrm>
-          <a:prstGeom prst="rect">
-            <a:avLst/>
-          </a:prstGeom>
-        </p:spPr>
-        <p:txBody>
-          <a:bodyPr wrap="none">
-            <a:spAutoFit/>
-          </a:bodyPr>
-          <a:lstStyle/>
-          <a:p>
-            <a:r>
-              <a:rPr lang="en-GB" dirty="0" err="1" smtClean="0"/>
-              <a:t>CheckedWindow</a:t>
-            </a:r>
-            <a:endParaRPr lang="en-GB" dirty="0"/>
-          </a:p>
-        </p:txBody>
-      </p:sp>
+        </p:grpSpPr>
+        <p:pic>
+          <p:nvPicPr>
+            <p:cNvPr id="1026" name="Picture 2" descr="C:\Users\peter\Source\Repos\WpfWindowsLib\SmallSample.png"/>
+            <p:cNvPicPr>
+              <a:picLocks noChangeAspect="1" noChangeArrowheads="1"/>
+            </p:cNvPicPr>
+            <p:nvPr/>
+          </p:nvPicPr>
+          <p:blipFill>
+            <a:blip r:embed="rId2">
+              <a:extLst>
+                <a:ext uri="{28A0092B-C50C-407E-A947-70E740481C1C}">
+                  <a14:useLocalDpi xmlns:a14="http://schemas.microsoft.com/office/drawing/2010/main" val="0"/>
+                </a:ext>
+              </a:extLst>
+            </a:blip>
+            <a:srcRect/>
+            <a:stretch>
+              <a:fillRect/>
+            </a:stretch>
+          </p:blipFill>
+          <p:spPr bwMode="auto">
+            <a:xfrm>
+              <a:off x="535113" y="1201079"/>
+              <a:ext cx="1828800" cy="914400"/>
+            </a:xfrm>
+            <a:prstGeom prst="rect">
+              <a:avLst/>
+            </a:prstGeom>
+            <a:noFill/>
+            <a:extLst>
+              <a:ext uri="{909E8E84-426E-40DD-AFC4-6F175D3DCCD1}">
+                <a14:hiddenFill xmlns:a14="http://schemas.microsoft.com/office/drawing/2010/main">
+                  <a:solidFill>
+                    <a:srgbClr val="FFFFFF"/>
+                  </a:solidFill>
+                </a14:hiddenFill>
+              </a:ext>
+            </a:extLst>
+          </p:spPr>
+        </p:pic>
+        <p:sp>
+          <p:nvSpPr>
+            <p:cNvPr id="4" name="Rectangle 3"/>
+            <p:cNvSpPr/>
+            <p:nvPr/>
+          </p:nvSpPr>
+          <p:spPr>
+            <a:xfrm>
+              <a:off x="3245973" y="1052736"/>
+              <a:ext cx="3691209" cy="2664296"/>
+            </a:xfrm>
+            <a:prstGeom prst="rect">
+              <a:avLst/>
+            </a:prstGeom>
+            <a:solidFill>
+              <a:schemeClr val="bg1"/>
+            </a:solidFill>
+          </p:spPr>
+          <p:style>
+            <a:lnRef idx="2">
+              <a:schemeClr val="accent1">
+                <a:shade val="50000"/>
+              </a:schemeClr>
+            </a:lnRef>
+            <a:fillRef idx="1">
+              <a:schemeClr val="accent1"/>
+            </a:fillRef>
+            <a:effectRef idx="0">
+              <a:schemeClr val="accent1"/>
+            </a:effectRef>
+            <a:fontRef idx="minor">
+              <a:schemeClr val="lt1"/>
+            </a:fontRef>
+          </p:style>
+          <p:txBody>
+            <a:bodyPr rtlCol="0" anchor="ctr"/>
+            <a:lstStyle/>
+            <a:p>
+              <a:pPr algn="ctr"/>
+              <a:endParaRPr lang="en-GB" dirty="0"/>
+            </a:p>
+          </p:txBody>
+        </p:sp>
+        <p:sp>
+          <p:nvSpPr>
+            <p:cNvPr id="5" name="TextBox 4"/>
+            <p:cNvSpPr txBox="1"/>
+            <p:nvPr/>
+          </p:nvSpPr>
+          <p:spPr>
+            <a:xfrm>
+              <a:off x="2312131" y="1124744"/>
+              <a:ext cx="963725" cy="261610"/>
+            </a:xfrm>
+            <a:prstGeom prst="rect">
+              <a:avLst/>
+            </a:prstGeom>
+            <a:noFill/>
+          </p:spPr>
+          <p:txBody>
+            <a:bodyPr wrap="none" rtlCol="0">
+              <a:spAutoFit/>
+            </a:bodyPr>
+            <a:lstStyle/>
+            <a:p>
+              <a:r>
+                <a:rPr lang="en-GB" sz="1100" dirty="0"/>
+                <a:t>1) </a:t>
+              </a:r>
+              <a:r>
+                <a:rPr lang="en-GB" sz="1100" dirty="0" err="1"/>
+                <a:t>Initilisation</a:t>
+              </a:r>
+              <a:endParaRPr lang="en-GB" sz="1100" dirty="0"/>
+            </a:p>
+          </p:txBody>
+        </p:sp>
+        <p:cxnSp>
+          <p:nvCxnSpPr>
+            <p:cNvPr id="7" name="Straight Arrow Connector 6"/>
+            <p:cNvCxnSpPr/>
+            <p:nvPr/>
+          </p:nvCxnSpPr>
+          <p:spPr>
+            <a:xfrm>
+              <a:off x="2388331" y="1350060"/>
+              <a:ext cx="1133432" cy="0"/>
+            </a:xfrm>
+            <a:prstGeom prst="straightConnector1">
+              <a:avLst/>
+            </a:prstGeom>
+            <a:ln>
+              <a:tailEnd type="arrow"/>
+            </a:ln>
+          </p:spPr>
+          <p:style>
+            <a:lnRef idx="1">
+              <a:schemeClr val="accent1"/>
+            </a:lnRef>
+            <a:fillRef idx="0">
+              <a:schemeClr val="accent1"/>
+            </a:fillRef>
+            <a:effectRef idx="0">
+              <a:schemeClr val="accent1"/>
+            </a:effectRef>
+            <a:fontRef idx="minor">
+              <a:schemeClr val="tx1"/>
+            </a:fontRef>
+          </p:style>
+        </p:cxnSp>
+        <p:sp>
+          <p:nvSpPr>
+            <p:cNvPr id="8" name="TextBox 7"/>
+            <p:cNvSpPr txBox="1"/>
+            <p:nvPr/>
+          </p:nvSpPr>
+          <p:spPr>
+            <a:xfrm>
+              <a:off x="3512186" y="1268760"/>
+              <a:ext cx="3103735" cy="430887"/>
+            </a:xfrm>
+            <a:prstGeom prst="rect">
+              <a:avLst/>
+            </a:prstGeom>
+            <a:noFill/>
+          </p:spPr>
+          <p:txBody>
+            <a:bodyPr wrap="none" rtlCol="0">
+              <a:spAutoFit/>
+            </a:bodyPr>
+            <a:lstStyle/>
+            <a:p>
+              <a:r>
+                <a:rPr lang="en-GB" sz="1100" dirty="0"/>
+                <a:t>Control searches </a:t>
+              </a:r>
+              <a:r>
+                <a:rPr lang="en-GB" sz="1100" dirty="0" err="1"/>
+                <a:t>CheckedWindow</a:t>
+              </a:r>
+              <a:r>
+                <a:rPr lang="en-GB" sz="1100" dirty="0"/>
+                <a:t>, registers.</a:t>
+              </a:r>
+            </a:p>
+            <a:p>
+              <a:r>
+                <a:rPr lang="en-GB" sz="1100" dirty="0" err="1"/>
+                <a:t>CheckedWindow</a:t>
+              </a:r>
+              <a:r>
+                <a:rPr lang="en-GB" sz="1100" dirty="0"/>
+                <a:t> then registers to control’s events.</a:t>
+              </a:r>
+            </a:p>
+          </p:txBody>
+        </p:sp>
+        <p:cxnSp>
+          <p:nvCxnSpPr>
+            <p:cNvPr id="12" name="Straight Arrow Connector 11"/>
+            <p:cNvCxnSpPr/>
+            <p:nvPr/>
+          </p:nvCxnSpPr>
+          <p:spPr>
+            <a:xfrm>
+              <a:off x="2363913" y="1762771"/>
+              <a:ext cx="1127967" cy="176354"/>
+            </a:xfrm>
+            <a:prstGeom prst="straightConnector1">
+              <a:avLst/>
+            </a:prstGeom>
+            <a:ln>
+              <a:tailEnd type="arrow"/>
+            </a:ln>
+          </p:spPr>
+          <p:style>
+            <a:lnRef idx="1">
+              <a:schemeClr val="accent1"/>
+            </a:lnRef>
+            <a:fillRef idx="0">
+              <a:schemeClr val="accent1"/>
+            </a:fillRef>
+            <a:effectRef idx="0">
+              <a:schemeClr val="accent1"/>
+            </a:effectRef>
+            <a:fontRef idx="minor">
+              <a:schemeClr val="tx1"/>
+            </a:fontRef>
+          </p:style>
+        </p:cxnSp>
+        <p:sp>
+          <p:nvSpPr>
+            <p:cNvPr id="15" name="TextBox 14"/>
+            <p:cNvSpPr txBox="1"/>
+            <p:nvPr/>
+          </p:nvSpPr>
+          <p:spPr>
+            <a:xfrm>
+              <a:off x="2267744" y="1556792"/>
+              <a:ext cx="936475" cy="261610"/>
+            </a:xfrm>
+            <a:prstGeom prst="rect">
+              <a:avLst/>
+            </a:prstGeom>
+            <a:noFill/>
+          </p:spPr>
+          <p:txBody>
+            <a:bodyPr wrap="none" rtlCol="0">
+              <a:spAutoFit/>
+            </a:bodyPr>
+            <a:lstStyle/>
+            <a:p>
+              <a:r>
+                <a:rPr lang="en-GB" sz="1100" dirty="0"/>
+                <a:t>2) Data entry</a:t>
+              </a:r>
+            </a:p>
+          </p:txBody>
+        </p:sp>
+        <p:sp>
+          <p:nvSpPr>
+            <p:cNvPr id="16" name="TextBox 15"/>
+            <p:cNvSpPr txBox="1"/>
+            <p:nvPr/>
+          </p:nvSpPr>
+          <p:spPr>
+            <a:xfrm>
+              <a:off x="3419872" y="1772816"/>
+              <a:ext cx="3517310" cy="938719"/>
+            </a:xfrm>
+            <a:prstGeom prst="rect">
+              <a:avLst/>
+            </a:prstGeom>
+            <a:noFill/>
+          </p:spPr>
+          <p:txBody>
+            <a:bodyPr wrap="none" rtlCol="0">
+              <a:spAutoFit/>
+            </a:bodyPr>
+            <a:lstStyle/>
+            <a:p>
+              <a:r>
+                <a:rPr lang="en-GB" sz="1100" dirty="0"/>
+                <a:t>Control raises event</a:t>
+              </a:r>
+            </a:p>
+            <a:p>
+              <a:r>
+                <a:rPr lang="en-GB" sz="1100" dirty="0" err="1"/>
+                <a:t>CheckedWindow</a:t>
+              </a:r>
+              <a:r>
+                <a:rPr lang="en-GB" sz="1100" dirty="0"/>
+                <a:t> queries all other controls to calculate</a:t>
+              </a:r>
+            </a:p>
+            <a:p>
+              <a:r>
+                <a:rPr lang="en-GB" sz="1100" dirty="0" err="1"/>
+                <a:t>HasICheckChanged</a:t>
+              </a:r>
+              <a:r>
+                <a:rPr lang="en-GB" sz="1100" dirty="0"/>
+                <a:t> and  </a:t>
+              </a:r>
+              <a:r>
+                <a:rPr lang="en-GB" sz="1100" dirty="0" err="1"/>
+                <a:t>IsAvailable</a:t>
+              </a:r>
+              <a:r>
+                <a:rPr lang="en-GB" sz="1100" dirty="0"/>
+                <a:t>. If their values change,</a:t>
+              </a:r>
+            </a:p>
+            <a:p>
+              <a:r>
+                <a:rPr lang="en-GB" sz="1100" dirty="0" err="1"/>
+                <a:t>CheckedWindow</a:t>
+              </a:r>
+              <a:r>
+                <a:rPr lang="en-GB" sz="1100" dirty="0"/>
+                <a:t> calls </a:t>
+              </a:r>
+              <a:r>
+                <a:rPr lang="en-GB" sz="1100" dirty="0" err="1"/>
+                <a:t>OnICheckChanged</a:t>
+              </a:r>
+              <a:r>
+                <a:rPr lang="en-GB" sz="1100" dirty="0"/>
+                <a:t> and </a:t>
+              </a:r>
+            </a:p>
+            <a:p>
+              <a:r>
+                <a:rPr lang="en-GB" sz="1100" dirty="0" err="1"/>
+                <a:t>OnIsAvailableChanged</a:t>
+              </a:r>
+              <a:r>
+                <a:rPr lang="en-GB" sz="1100" dirty="0"/>
+                <a:t>.</a:t>
+              </a:r>
+            </a:p>
+          </p:txBody>
+        </p:sp>
+        <p:cxnSp>
+          <p:nvCxnSpPr>
+            <p:cNvPr id="17" name="Straight Arrow Connector 16"/>
+            <p:cNvCxnSpPr/>
+            <p:nvPr/>
+          </p:nvCxnSpPr>
+          <p:spPr>
+            <a:xfrm flipH="1" flipV="1">
+              <a:off x="2195737" y="1990003"/>
+              <a:ext cx="1296143" cy="574901"/>
+            </a:xfrm>
+            <a:prstGeom prst="straightConnector1">
+              <a:avLst/>
+            </a:prstGeom>
+            <a:ln>
+              <a:tailEnd type="arrow"/>
+            </a:ln>
+          </p:spPr>
+          <p:style>
+            <a:lnRef idx="1">
+              <a:schemeClr val="accent1"/>
+            </a:lnRef>
+            <a:fillRef idx="0">
+              <a:schemeClr val="accent1"/>
+            </a:fillRef>
+            <a:effectRef idx="0">
+              <a:schemeClr val="accent1"/>
+            </a:effectRef>
+            <a:fontRef idx="minor">
+              <a:schemeClr val="tx1"/>
+            </a:fontRef>
+          </p:style>
+        </p:cxnSp>
+        <p:sp>
+          <p:nvSpPr>
+            <p:cNvPr id="19" name="TextBox 18"/>
+            <p:cNvSpPr txBox="1"/>
+            <p:nvPr/>
+          </p:nvSpPr>
+          <p:spPr>
+            <a:xfrm>
+              <a:off x="2207641" y="2259294"/>
+              <a:ext cx="873957" cy="430887"/>
+            </a:xfrm>
+            <a:prstGeom prst="rect">
+              <a:avLst/>
+            </a:prstGeom>
+            <a:noFill/>
+          </p:spPr>
+          <p:txBody>
+            <a:bodyPr wrap="none" rtlCol="0">
+              <a:spAutoFit/>
+            </a:bodyPr>
+            <a:lstStyle/>
+            <a:p>
+              <a:r>
+                <a:rPr lang="en-GB" sz="1100" dirty="0"/>
+                <a:t>2a) update </a:t>
+              </a:r>
+            </a:p>
+            <a:p>
+              <a:r>
+                <a:rPr lang="en-GB" sz="1100" dirty="0"/>
+                <a:t>Save Button</a:t>
+              </a:r>
+            </a:p>
+          </p:txBody>
+        </p:sp>
+        <p:cxnSp>
+          <p:nvCxnSpPr>
+            <p:cNvPr id="20" name="Elbow Connector 19"/>
+            <p:cNvCxnSpPr/>
+            <p:nvPr/>
+          </p:nvCxnSpPr>
+          <p:spPr>
+            <a:xfrm rot="16200000" flipH="1">
+              <a:off x="2052642" y="1557710"/>
+              <a:ext cx="1464623" cy="1269838"/>
+            </a:xfrm>
+            <a:prstGeom prst="bentConnector3">
+              <a:avLst>
+                <a:gd name="adj1" fmla="val 100045"/>
+              </a:avLst>
+            </a:prstGeom>
+            <a:ln>
+              <a:tailEnd type="arrow"/>
+            </a:ln>
+          </p:spPr>
+          <p:style>
+            <a:lnRef idx="1">
+              <a:schemeClr val="accent1"/>
+            </a:lnRef>
+            <a:fillRef idx="0">
+              <a:schemeClr val="accent1"/>
+            </a:fillRef>
+            <a:effectRef idx="0">
+              <a:schemeClr val="accent1"/>
+            </a:effectRef>
+            <a:fontRef idx="minor">
+              <a:schemeClr val="tx1"/>
+            </a:fontRef>
+          </p:style>
+        </p:cxnSp>
+        <p:sp>
+          <p:nvSpPr>
+            <p:cNvPr id="25" name="TextBox 24"/>
+            <p:cNvSpPr txBox="1"/>
+            <p:nvPr/>
+          </p:nvSpPr>
+          <p:spPr>
+            <a:xfrm>
+              <a:off x="2051720" y="2926105"/>
+              <a:ext cx="1124026" cy="430887"/>
+            </a:xfrm>
+            <a:prstGeom prst="rect">
+              <a:avLst/>
+            </a:prstGeom>
+            <a:noFill/>
+          </p:spPr>
+          <p:txBody>
+            <a:bodyPr wrap="none" rtlCol="0">
+              <a:spAutoFit/>
+            </a:bodyPr>
+            <a:lstStyle/>
+            <a:p>
+              <a:r>
+                <a:rPr lang="en-GB" sz="1100" dirty="0"/>
+                <a:t>3) User wants to</a:t>
+              </a:r>
+            </a:p>
+            <a:p>
+              <a:r>
+                <a:rPr lang="en-GB" sz="1100" dirty="0"/>
+                <a:t>Close window</a:t>
+              </a:r>
+            </a:p>
+          </p:txBody>
+        </p:sp>
+        <p:sp>
+          <p:nvSpPr>
+            <p:cNvPr id="27" name="TextBox 26"/>
+            <p:cNvSpPr txBox="1"/>
+            <p:nvPr/>
+          </p:nvSpPr>
+          <p:spPr>
+            <a:xfrm>
+              <a:off x="3419872" y="2780928"/>
+              <a:ext cx="3456384" cy="769441"/>
+            </a:xfrm>
+            <a:prstGeom prst="rect">
+              <a:avLst/>
+            </a:prstGeom>
+            <a:noFill/>
+          </p:spPr>
+          <p:txBody>
+            <a:bodyPr wrap="square" rtlCol="0">
+              <a:spAutoFit/>
+            </a:bodyPr>
+            <a:lstStyle/>
+            <a:p>
+              <a:r>
+                <a:rPr lang="en-GB" sz="1100" dirty="0" err="1"/>
+                <a:t>CheckedWindow</a:t>
+              </a:r>
+              <a:r>
+                <a:rPr lang="en-GB" sz="1100" dirty="0"/>
+                <a:t> listen to  the </a:t>
+              </a:r>
+              <a:r>
+                <a:rPr lang="en-GB" sz="1100" dirty="0" err="1"/>
+                <a:t>Window.Closing</a:t>
+              </a:r>
+              <a:r>
+                <a:rPr lang="en-GB" sz="1100" dirty="0"/>
+                <a:t> event</a:t>
+              </a:r>
+            </a:p>
+            <a:p>
+              <a:r>
+                <a:rPr lang="en-GB" sz="1100" dirty="0"/>
+                <a:t>If </a:t>
+              </a:r>
+              <a:r>
+                <a:rPr lang="en-GB" sz="1100" dirty="0" err="1"/>
+                <a:t>HasICheckChanged</a:t>
+              </a:r>
+              <a:r>
+                <a:rPr lang="en-GB" sz="1100" dirty="0"/>
+                <a:t>  is true, it  marks all the controls with changed data and asks the user if he really wants to close the window and lose the entered data.</a:t>
+              </a:r>
+            </a:p>
+          </p:txBody>
+        </p:sp>
+        <p:sp>
+          <p:nvSpPr>
+            <p:cNvPr id="42" name="Rectangle 41"/>
+            <p:cNvSpPr/>
+            <p:nvPr/>
+          </p:nvSpPr>
+          <p:spPr>
+            <a:xfrm>
+              <a:off x="3521763" y="980728"/>
+              <a:ext cx="1764907" cy="369332"/>
+            </a:xfrm>
+            <a:prstGeom prst="rect">
+              <a:avLst/>
+            </a:prstGeom>
+          </p:spPr>
+          <p:txBody>
+            <a:bodyPr wrap="none">
+              <a:spAutoFit/>
+            </a:bodyPr>
+            <a:lstStyle/>
+            <a:p>
+              <a:r>
+                <a:rPr lang="en-GB" dirty="0" err="1"/>
+                <a:t>CheckedWindow</a:t>
+              </a:r>
+              <a:endParaRPr lang="en-GB" dirty="0"/>
+            </a:p>
+          </p:txBody>
+        </p:sp>
+      </p:grpSp>
     </p:spTree>
     <p:extLst>
       <p:ext uri="{BB962C8B-B14F-4D97-AF65-F5344CB8AC3E}">
@@ -3727,13 +3754,6 @@
   <p:clrMapOvr>
     <a:masterClrMapping/>
   </p:clrMapOvr>
-  <p:timing>
-    <p:tnLst>
-      <p:par>
-        <p:cTn id="1" dur="indefinite" restart="never" nodeType="tmRoot"/>
-      </p:par>
-    </p:tnLst>
-  </p:timing>
 </p:sld>
 </file>
 
